--- a/entsoe/2019/editable_SET_graphs.pptx
+++ b/entsoe/2019/editable_SET_graphs.pptx
@@ -242,7 +242,7 @@
           <a:p>
             <a:fld id="{49EEC703-91EC-4184-82A0-C28D41779F9F}" type="datetimeFigureOut">
               <a:rPr lang="en-US" smtClean="0"/>
-              <a:t>5/29/2019</a:t>
+              <a:t>8/29/2019</a:t>
             </a:fld>
             <a:endParaRPr lang="en-US"/>
           </a:p>
@@ -410,7 +410,7 @@
           <a:p>
             <a:fld id="{49EEC703-91EC-4184-82A0-C28D41779F9F}" type="datetimeFigureOut">
               <a:rPr lang="en-US" smtClean="0"/>
-              <a:t>5/29/2019</a:t>
+              <a:t>8/29/2019</a:t>
             </a:fld>
             <a:endParaRPr lang="en-US"/>
           </a:p>
@@ -588,7 +588,7 @@
           <a:p>
             <a:fld id="{49EEC703-91EC-4184-82A0-C28D41779F9F}" type="datetimeFigureOut">
               <a:rPr lang="en-US" smtClean="0"/>
-              <a:t>5/29/2019</a:t>
+              <a:t>8/29/2019</a:t>
             </a:fld>
             <a:endParaRPr lang="en-US"/>
           </a:p>
@@ -756,7 +756,7 @@
           <a:p>
             <a:fld id="{49EEC703-91EC-4184-82A0-C28D41779F9F}" type="datetimeFigureOut">
               <a:rPr lang="en-US" smtClean="0"/>
-              <a:t>5/29/2019</a:t>
+              <a:t>8/29/2019</a:t>
             </a:fld>
             <a:endParaRPr lang="en-US"/>
           </a:p>
@@ -1001,7 +1001,7 @@
           <a:p>
             <a:fld id="{49EEC703-91EC-4184-82A0-C28D41779F9F}" type="datetimeFigureOut">
               <a:rPr lang="en-US" smtClean="0"/>
-              <a:t>5/29/2019</a:t>
+              <a:t>8/29/2019</a:t>
             </a:fld>
             <a:endParaRPr lang="en-US"/>
           </a:p>
@@ -1230,7 +1230,7 @@
           <a:p>
             <a:fld id="{49EEC703-91EC-4184-82A0-C28D41779F9F}" type="datetimeFigureOut">
               <a:rPr lang="en-US" smtClean="0"/>
-              <a:t>5/29/2019</a:t>
+              <a:t>8/29/2019</a:t>
             </a:fld>
             <a:endParaRPr lang="en-US"/>
           </a:p>
@@ -1594,7 +1594,7 @@
           <a:p>
             <a:fld id="{49EEC703-91EC-4184-82A0-C28D41779F9F}" type="datetimeFigureOut">
               <a:rPr lang="en-US" smtClean="0"/>
-              <a:t>5/29/2019</a:t>
+              <a:t>8/29/2019</a:t>
             </a:fld>
             <a:endParaRPr lang="en-US"/>
           </a:p>
@@ -1711,7 +1711,7 @@
           <a:p>
             <a:fld id="{49EEC703-91EC-4184-82A0-C28D41779F9F}" type="datetimeFigureOut">
               <a:rPr lang="en-US" smtClean="0"/>
-              <a:t>5/29/2019</a:t>
+              <a:t>8/29/2019</a:t>
             </a:fld>
             <a:endParaRPr lang="en-US"/>
           </a:p>
@@ -1806,7 +1806,7 @@
           <a:p>
             <a:fld id="{49EEC703-91EC-4184-82A0-C28D41779F9F}" type="datetimeFigureOut">
               <a:rPr lang="en-US" smtClean="0"/>
-              <a:t>5/29/2019</a:t>
+              <a:t>8/29/2019</a:t>
             </a:fld>
             <a:endParaRPr lang="en-US"/>
           </a:p>
@@ -2081,7 +2081,7 @@
           <a:p>
             <a:fld id="{49EEC703-91EC-4184-82A0-C28D41779F9F}" type="datetimeFigureOut">
               <a:rPr lang="en-US" smtClean="0"/>
-              <a:t>5/29/2019</a:t>
+              <a:t>8/29/2019</a:t>
             </a:fld>
             <a:endParaRPr lang="en-US"/>
           </a:p>
@@ -2333,7 +2333,7 @@
           <a:p>
             <a:fld id="{49EEC703-91EC-4184-82A0-C28D41779F9F}" type="datetimeFigureOut">
               <a:rPr lang="en-US" smtClean="0"/>
-              <a:t>5/29/2019</a:t>
+              <a:t>8/29/2019</a:t>
             </a:fld>
             <a:endParaRPr lang="en-US"/>
           </a:p>
@@ -2544,7 +2544,7 @@
           <a:p>
             <a:fld id="{49EEC703-91EC-4184-82A0-C28D41779F9F}" type="datetimeFigureOut">
               <a:rPr lang="en-US" smtClean="0"/>
-              <a:t>5/29/2019</a:t>
+              <a:t>8/29/2019</a:t>
             </a:fld>
             <a:endParaRPr lang="en-US"/>
           </a:p>
@@ -3522,10 +3522,10 @@
       </p:grpSpPr>
       <p:pic>
         <p:nvPicPr>
-          <p:cNvPr id="2" name="Picture 1">
+          <p:cNvPr id="4" name="Picture 3">
             <a:extLst>
               <a:ext uri="{FF2B5EF4-FFF2-40B4-BE49-F238E27FC236}">
-                <a16:creationId xmlns:a16="http://schemas.microsoft.com/office/drawing/2014/main" id="{290F174B-5DD4-463F-9B67-A4E867538B1F}"/>
+                <a16:creationId xmlns:a16="http://schemas.microsoft.com/office/drawing/2014/main" id="{67845650-3F93-4E3E-8D1E-39108D7185F2}"/>
               </a:ext>
             </a:extLst>
           </p:cNvPr>
@@ -3535,15 +3535,21 @@
           <p:nvPr/>
         </p:nvPicPr>
         <p:blipFill>
-          <a:blip r:embed="rId2"/>
+          <a:blip r:embed="rId2">
+            <a:extLst>
+              <a:ext uri="{28A0092B-C50C-407E-A947-70E740481C1C}">
+                <a14:useLocalDpi xmlns:a14="http://schemas.microsoft.com/office/drawing/2010/main" val="0"/>
+              </a:ext>
+            </a:extLst>
+          </a:blip>
           <a:stretch>
             <a:fillRect/>
           </a:stretch>
         </p:blipFill>
         <p:spPr>
           <a:xfrm>
-            <a:off x="1519359" y="954794"/>
-            <a:ext cx="7200914" cy="5312675"/>
+            <a:off x="1555328" y="734462"/>
+            <a:ext cx="7202439" cy="5532131"/>
           </a:xfrm>
           <a:prstGeom prst="rect">
             <a:avLst/>
